--- a/Materi Workshop/Materi 2.pptx
+++ b/Materi Workshop/Materi 2.pptx
@@ -5,10 +5,10 @@
     <p:sldMasterId id="2147483648" r:id="rId1"/>
   </p:sldMasterIdLst>
   <p:notesMasterIdLst>
-    <p:notesMasterId r:id="rId11"/>
+    <p:notesMasterId r:id="rId14"/>
   </p:notesMasterIdLst>
   <p:handoutMasterIdLst>
-    <p:handoutMasterId r:id="rId12"/>
+    <p:handoutMasterId r:id="rId15"/>
   </p:handoutMasterIdLst>
   <p:sldIdLst>
     <p:sldId id="256" r:id="rId3"/>
@@ -19,6 +19,9 @@
     <p:sldId id="261" r:id="rId8"/>
     <p:sldId id="262" r:id="rId9"/>
     <p:sldId id="263" r:id="rId10"/>
+    <p:sldId id="264" r:id="rId11"/>
+    <p:sldId id="265" r:id="rId12"/>
+    <p:sldId id="266" r:id="rId13"/>
   </p:sldIdLst>
   <p:sldSz cx="12192000" cy="6858000"/>
   <p:notesSz cx="7103745" cy="10234295"/>
@@ -3576,6 +3579,157 @@
 </p:sld>
 </file>
 
+<file path=ppt/slides/slide10.xml><?xml version="1.0" encoding="utf-8"?>
+<p:sld xmlns:a="http://schemas.openxmlformats.org/drawingml/2006/main" xmlns:r="http://schemas.openxmlformats.org/officeDocument/2006/relationships" xmlns:p="http://schemas.openxmlformats.org/presentationml/2006/main">
+  <p:cSld>
+    <p:spTree>
+      <p:nvGrpSpPr>
+        <p:cNvPr id="1" name=""/>
+        <p:cNvGrpSpPr/>
+        <p:nvPr/>
+      </p:nvGrpSpPr>
+      <p:grpSpPr/>
+      <p:sp>
+        <p:nvSpPr>
+          <p:cNvPr id="2" name="Title 1"/>
+          <p:cNvSpPr>
+            <a:spLocks noGrp="1"/>
+          </p:cNvSpPr>
+          <p:nvPr>
+            <p:ph type="title"/>
+          </p:nvPr>
+        </p:nvSpPr>
+        <p:spPr/>
+        <p:txBody>
+          <a:bodyPr/>
+          <a:p>
+            <a:r>
+              <a:rPr lang="en-US"/>
+              <a:t>Konfigurasi Di dalam OS UBUNTU MATE</a:t>
+            </a:r>
+            <a:endParaRPr lang="en-US"/>
+          </a:p>
+        </p:txBody>
+      </p:sp>
+      <p:sp>
+        <p:nvSpPr>
+          <p:cNvPr id="3" name="Content Placeholder 2"/>
+          <p:cNvSpPr>
+            <a:spLocks noGrp="1"/>
+          </p:cNvSpPr>
+          <p:nvPr>
+            <p:ph idx="1"/>
+          </p:nvPr>
+        </p:nvSpPr>
+        <p:spPr/>
+        <p:txBody>
+          <a:bodyPr/>
+          <a:p>
+            <a:r>
+              <a:rPr lang="en-US"/>
+              <a:t>https://bit.ly/materiworkshoprobotics</a:t>
+            </a:r>
+            <a:endParaRPr lang="en-US"/>
+          </a:p>
+        </p:txBody>
+      </p:sp>
+    </p:spTree>
+  </p:cSld>
+  <p:clrMapOvr>
+    <a:masterClrMapping/>
+  </p:clrMapOvr>
+</p:sld>
+</file>
+
+<file path=ppt/slides/slide11.xml><?xml version="1.0" encoding="utf-8"?>
+<p:sld xmlns:a="http://schemas.openxmlformats.org/drawingml/2006/main" xmlns:r="http://schemas.openxmlformats.org/officeDocument/2006/relationships" xmlns:p="http://schemas.openxmlformats.org/presentationml/2006/main">
+  <p:cSld>
+    <p:spTree>
+      <p:nvGrpSpPr>
+        <p:cNvPr id="1" name=""/>
+        <p:cNvGrpSpPr/>
+        <p:nvPr/>
+      </p:nvGrpSpPr>
+      <p:grpSpPr/>
+      <p:sp>
+        <p:nvSpPr>
+          <p:cNvPr id="2" name="Title 1"/>
+          <p:cNvSpPr>
+            <a:spLocks noGrp="1"/>
+          </p:cNvSpPr>
+          <p:nvPr>
+            <p:ph type="title"/>
+          </p:nvPr>
+        </p:nvSpPr>
+        <p:spPr/>
+        <p:txBody>
+          <a:bodyPr/>
+          <a:p>
+            <a:r>
+              <a:rPr lang="en-US"/>
+              <a:t>Joint Grup Whatsapp</a:t>
+            </a:r>
+            <a:endParaRPr lang="en-US"/>
+          </a:p>
+        </p:txBody>
+      </p:sp>
+      <p:sp>
+        <p:nvSpPr>
+          <p:cNvPr id="3" name="Content Placeholder 2"/>
+          <p:cNvSpPr>
+            <a:spLocks noGrp="1"/>
+          </p:cNvSpPr>
+          <p:nvPr>
+            <p:ph idx="1"/>
+          </p:nvPr>
+        </p:nvSpPr>
+        <p:spPr/>
+        <p:txBody>
+          <a:bodyPr/>
+          <a:p>
+            <a:r>
+              <a:rPr lang="en-US"/>
+              <a:t>https://bit.ly/calonstafdivhumanoid</a:t>
+            </a:r>
+            <a:endParaRPr lang="en-US"/>
+          </a:p>
+          <a:p>
+            <a:endParaRPr lang="en-US"/>
+          </a:p>
+        </p:txBody>
+      </p:sp>
+      <p:pic>
+        <p:nvPicPr>
+          <p:cNvPr id="4" name="Picture 3" descr="bit.ly_calonstafdivhumanoid"/>
+          <p:cNvPicPr>
+            <a:picLocks noChangeAspect="1"/>
+          </p:cNvPicPr>
+          <p:nvPr/>
+        </p:nvPicPr>
+        <p:blipFill>
+          <a:blip r:embed="rId1"/>
+          <a:stretch>
+            <a:fillRect/>
+          </a:stretch>
+        </p:blipFill>
+        <p:spPr>
+          <a:xfrm>
+            <a:off x="4641215" y="2552065"/>
+            <a:ext cx="3173095" cy="3173095"/>
+          </a:xfrm>
+          <a:prstGeom prst="rect">
+            <a:avLst/>
+          </a:prstGeom>
+        </p:spPr>
+      </p:pic>
+    </p:spTree>
+  </p:cSld>
+  <p:clrMapOvr>
+    <a:masterClrMapping/>
+  </p:clrMapOvr>
+</p:sld>
+</file>
+
 <file path=ppt/slides/slide2.xml><?xml version="1.0" encoding="utf-8"?>
 <p:sld xmlns:a="http://schemas.openxmlformats.org/drawingml/2006/main" xmlns:r="http://schemas.openxmlformats.org/officeDocument/2006/relationships" xmlns:p="http://schemas.openxmlformats.org/presentationml/2006/main">
   <p:cSld>
@@ -4217,6 +4371,111 @@
           </a:prstGeom>
         </p:spPr>
       </p:pic>
+    </p:spTree>
+  </p:cSld>
+  <p:clrMapOvr>
+    <a:masterClrMapping/>
+  </p:clrMapOvr>
+</p:sld>
+</file>
+
+<file path=ppt/slides/slide9.xml><?xml version="1.0" encoding="utf-8"?>
+<p:sld xmlns:a="http://schemas.openxmlformats.org/drawingml/2006/main" xmlns:r="http://schemas.openxmlformats.org/officeDocument/2006/relationships" xmlns:p="http://schemas.openxmlformats.org/presentationml/2006/main">
+  <p:cSld>
+    <p:spTree>
+      <p:nvGrpSpPr>
+        <p:cNvPr id="1" name=""/>
+        <p:cNvGrpSpPr/>
+        <p:nvPr/>
+      </p:nvGrpSpPr>
+      <p:grpSpPr/>
+      <p:sp>
+        <p:nvSpPr>
+          <p:cNvPr id="2" name="Title 1"/>
+          <p:cNvSpPr>
+            <a:spLocks noGrp="1"/>
+          </p:cNvSpPr>
+          <p:nvPr>
+            <p:ph type="title"/>
+          </p:nvPr>
+        </p:nvSpPr>
+        <p:spPr/>
+        <p:txBody>
+          <a:bodyPr/>
+          <a:p>
+            <a:r>
+              <a:rPr lang="en-US"/>
+              <a:t>Kelebihan</a:t>
+            </a:r>
+            <a:endParaRPr lang="en-US"/>
+          </a:p>
+        </p:txBody>
+      </p:sp>
+      <p:sp>
+        <p:nvSpPr>
+          <p:cNvPr id="5" name="Content Placeholder 4"/>
+          <p:cNvSpPr>
+            <a:spLocks noGrp="1"/>
+          </p:cNvSpPr>
+          <p:nvPr>
+            <p:ph idx="1"/>
+          </p:nvPr>
+        </p:nvSpPr>
+        <p:spPr/>
+        <p:txBody>
+          <a:bodyPr/>
+          <a:p>
+            <a:pPr marL="457200" indent="-457200">
+              <a:buAutoNum type="arabicPeriod"/>
+            </a:pPr>
+            <a:r>
+              <a:rPr lang="en-US"/>
+              <a:t>Lebih ringan untuk penggunaan memory nya</a:t>
+            </a:r>
+            <a:endParaRPr lang="en-US"/>
+          </a:p>
+          <a:p>
+            <a:pPr marL="457200" indent="-457200">
+              <a:buAutoNum type="arabicPeriod"/>
+            </a:pPr>
+            <a:r>
+              <a:rPr lang="en-US"/>
+              <a:t>Tampilan lebih simple</a:t>
+            </a:r>
+            <a:endParaRPr lang="en-US"/>
+          </a:p>
+          <a:p>
+            <a:pPr marL="457200" indent="-457200">
+              <a:buAutoNum type="arabicPeriod"/>
+            </a:pPr>
+            <a:r>
+              <a:rPr lang="en-US"/>
+              <a:t>Operating system yang stabil </a:t>
+            </a:r>
+            <a:endParaRPr lang="en-US"/>
+          </a:p>
+          <a:p>
+            <a:pPr marL="457200" indent="-457200">
+              <a:buAutoNum type="arabicPeriod"/>
+            </a:pPr>
+            <a:r>
+              <a:rPr lang="en-US"/>
+              <a:t>Mudah digunakan dengan lingkungan desktop yang telah dikonfigurasi </a:t>
+            </a:r>
+            <a:endParaRPr lang="en-US"/>
+          </a:p>
+          <a:p>
+            <a:pPr marL="457200" indent="-457200">
+              <a:buAutoNum type="arabicPeriod"/>
+            </a:pPr>
+            <a:r>
+              <a:rPr lang="en-US"/>
+              <a:t>Menurut pengembangnya adalah ideal bagi mereka yang menginginkan hasil desktop maksimal pada PC, laptop dan netbook dan lebih cenderung memilih suasana dan metafora desktop tradisional. Dengan persyaratan perangkat keras yang rendah, Ubuntu MATE sangat cocok, baik untuk workstation modern maupun kompula (komputer usia lanjut).</a:t>
+            </a:r>
+            <a:endParaRPr lang="en-US"/>
+          </a:p>
+        </p:txBody>
+      </p:sp>
     </p:spTree>
   </p:cSld>
   <p:clrMapOvr>
